--- a/Documentação/Status Report/2022-1/Status Report 3.pptx
+++ b/Documentação/Status Report/2022-1/Status Report 3.pptx
@@ -1205,7 +1205,7 @@
             <a:fld id="{C3CD65D1-5C11-455D-9F9A-0E035F00A0DA}" type="datetimeFigureOut">
               <a:rPr lang="pt-BR" smtClean="0"/>
               <a:pPr/>
-              <a:t>07/03/2022</a:t>
+              <a:t>09/03/2022</a:t>
             </a:fld>
             <a:endParaRPr lang="pt-BR"/>
           </a:p>
@@ -1373,7 +1373,7 @@
             <a:fld id="{A05DA3EF-18EA-43DE-B1BB-402A3C558822}" type="datetimeFigureOut">
               <a:rPr lang="pt-BR" smtClean="0"/>
               <a:pPr/>
-              <a:t>07/03/2022</a:t>
+              <a:t>09/03/2022</a:t>
             </a:fld>
             <a:endParaRPr lang="pt-BR"/>
           </a:p>
@@ -22604,8 +22604,25 @@
                 <a:latin typeface="Calibri" panose="020F0502020204030204" pitchFamily="34" charset="0"/>
                 <a:cs typeface="Simplon BP Regular"/>
               </a:rPr>
-              <a:t>Protótipos de tela mobile validados;</a:t>
+              <a:t>Protótipos de tela </a:t>
             </a:r>
+            <a:r>
+              <a:rPr lang="pt-BR" sz="1320" b="1">
+                <a:solidFill>
+                  <a:schemeClr val="tx1"/>
+                </a:solidFill>
+                <a:latin typeface="Calibri" panose="020F0502020204030204" pitchFamily="34" charset="0"/>
+                <a:cs typeface="Simplon BP Regular"/>
+              </a:rPr>
+              <a:t>(sketches);</a:t>
+            </a:r>
+            <a:endParaRPr lang="pt-BR" sz="1320" b="1" dirty="0">
+              <a:solidFill>
+                <a:schemeClr val="tx1"/>
+              </a:solidFill>
+              <a:latin typeface="Calibri" panose="020F0502020204030204" pitchFamily="34" charset="0"/>
+              <a:cs typeface="Simplon BP Regular"/>
+            </a:endParaRPr>
           </a:p>
           <a:p>
             <a:pPr marL="252049" indent="-252049" fontAlgn="base">
@@ -25329,15 +25346,6 @@
 </file>
 
 <file path=customXml/item2.xml><?xml version="1.0" encoding="utf-8"?>
-<?mso-contentType ?>
-<FormTemplates xmlns="http://schemas.microsoft.com/sharepoint/v3/contenttype/forms">
-  <Display>DocumentLibraryForm</Display>
-  <Edit>DocumentLibraryForm</Edit>
-  <New>DocumentLibraryForm</New>
-</FormTemplates>
-</file>
-
-<file path=customXml/item3.xml><?xml version="1.0" encoding="utf-8"?>
 <p:properties xmlns:p="http://schemas.microsoft.com/office/2006/metadata/properties" xmlns:xsi="http://www.w3.org/2001/XMLSchema-instance" xmlns:pc="http://schemas.microsoft.com/office/infopath/2007/PartnerControls">
   <documentManagement>
     <Is_Collaboration_Space_Locked xmlns="bbcd8c33-6940-4d4c-a587-bbc736ca1e4d" xsi:nil="true"/>
@@ -25389,6 +25397,15 @@
 </p:properties>
 </file>
 
+<file path=customXml/item3.xml><?xml version="1.0" encoding="utf-8"?>
+<?mso-contentType ?>
+<FormTemplates xmlns="http://schemas.microsoft.com/sharepoint/v3/contenttype/forms">
+  <Display>DocumentLibraryForm</Display>
+  <Edit>DocumentLibraryForm</Edit>
+  <New>DocumentLibraryForm</New>
+</FormTemplates>
+</file>
+
 <file path=customXml/itemProps1.xml><?xml version="1.0" encoding="utf-8"?>
 <ds:datastoreItem xmlns:ds="http://schemas.openxmlformats.org/officeDocument/2006/customXml" ds:itemID="{3BE6CAF6-1F55-4A70-B10C-21633F74987A}">
   <ds:schemaRefs>
@@ -25409,14 +25426,6 @@
 </file>
 
 <file path=customXml/itemProps2.xml><?xml version="1.0" encoding="utf-8"?>
-<ds:datastoreItem xmlns:ds="http://schemas.openxmlformats.org/officeDocument/2006/customXml" ds:itemID="{E2481852-F24E-4532-AF30-C154D705D105}">
-  <ds:schemaRefs>
-    <ds:schemaRef ds:uri="http://schemas.microsoft.com/sharepoint/v3/contenttype/forms"/>
-  </ds:schemaRefs>
-</ds:datastoreItem>
-</file>
-
-<file path=customXml/itemProps3.xml><?xml version="1.0" encoding="utf-8"?>
 <ds:datastoreItem xmlns:ds="http://schemas.openxmlformats.org/officeDocument/2006/customXml" ds:itemID="{4B31267F-D399-4A8A-87F8-B75F56828412}">
   <ds:schemaRefs>
     <ds:schemaRef ds:uri="http://www.w3.org/XML/1998/namespace"/>
@@ -25431,4 +25440,12 @@
     <ds:schemaRef ds:uri="http://purl.org/dc/terms/"/>
   </ds:schemaRefs>
 </ds:datastoreItem>
+</file>
+
+<file path=customXml/itemProps3.xml><?xml version="1.0" encoding="utf-8"?>
+<ds:datastoreItem xmlns:ds="http://schemas.openxmlformats.org/officeDocument/2006/customXml" ds:itemID="{E2481852-F24E-4532-AF30-C154D705D105}">
+  <ds:schemaRefs>
+    <ds:schemaRef ds:uri="http://schemas.microsoft.com/sharepoint/v3/contenttype/forms"/>
+  </ds:schemaRefs>
+</ds:datastoreItem>
 </file>